--- a/pptx_res/Цикл обработки событий.pptx
+++ b/pptx_res/Цикл обработки событий.pptx
@@ -2,7 +2,7 @@
 <file path=ppt/presentation.xml><?xml version="1.0" encoding="utf-8"?>
 <p:presentation xmlns:a="http://schemas.openxmlformats.org/drawingml/2006/main" xmlns:r="http://schemas.openxmlformats.org/officeDocument/2006/relationships" xmlns:p="http://schemas.openxmlformats.org/presentationml/2006/main" showSpecialPlsOnTitleSld="0" saveSubsetFonts="1">
   <p:sldMasterIdLst>
-    <p:sldMasterId id="2147483660" r:id="rId1"/>
+    <p:sldMasterId id="2147483673" r:id="rId1"/>
   </p:sldMasterIdLst>
   <p:notesMasterIdLst>
     <p:notesMasterId r:id="rId15"/>
@@ -209,7 +209,7 @@
           <a:p>
             <a:fld id="{8C663AF2-D8D5-4B1E-B70F-E31853B4AD31}" type="datetimeFigureOut">
               <a:rPr lang="ru-RU" smtClean="0"/>
-              <a:t>05.06.2017</a:t>
+              <a:t>21.07.2017</a:t>
             </a:fld>
             <a:endParaRPr lang="ru-RU"/>
           </a:p>
@@ -494,30 +494,6 @@
           <a:chExt cx="0" cy="0"/>
         </a:xfrm>
       </p:grpSpPr>
-      <p:pic>
-        <p:nvPicPr>
-          <p:cNvPr id="11" name="Рисунок 10"/>
-          <p:cNvPicPr>
-            <a:picLocks noChangeAspect="1"/>
-          </p:cNvPicPr>
-          <p:nvPr/>
-        </p:nvPicPr>
-        <p:blipFill>
-          <a:blip r:embed="rId2"/>
-          <a:stretch>
-            <a:fillRect/>
-          </a:stretch>
-        </p:blipFill>
-        <p:spPr>
-          <a:xfrm>
-            <a:off x="8639175" y="142875"/>
-            <a:ext cx="3413506" cy="3390900"/>
-          </a:xfrm>
-          <a:prstGeom prst="rect">
-            <a:avLst/>
-          </a:prstGeom>
-        </p:spPr>
-      </p:pic>
       <p:sp>
         <p:nvSpPr>
           <p:cNvPr id="7" name="Rectangle 6"/>
@@ -727,7 +703,7 @@
           <a:p>
             <a:fld id="{45DC2BAA-B1C2-40C1-98AF-E3DBFE60BD77}" type="datetime1">
               <a:rPr lang="ru-RU" smtClean="0"/>
-              <a:t>05.06.2017</a:t>
+              <a:t>21.07.2017</a:t>
             </a:fld>
             <a:endParaRPr lang="ru-RU"/>
           </a:p>
@@ -817,10 +793,40 @@
           </a:fontRef>
         </p:style>
       </p:cxnSp>
+      <p:pic>
+        <p:nvPicPr>
+          <p:cNvPr id="16" name="Рисунок 15"/>
+          <p:cNvPicPr>
+            <a:picLocks noChangeAspect="1"/>
+          </p:cNvPicPr>
+          <p:nvPr/>
+        </p:nvPicPr>
+        <p:blipFill>
+          <a:blip r:embed="rId2" cstate="print">
+            <a:extLst>
+              <a:ext uri="{28A0092B-C50C-407E-A947-70E740481C1C}">
+                <a14:useLocalDpi xmlns:a14="http://schemas.microsoft.com/office/drawing/2010/main" val="0"/>
+              </a:ext>
+            </a:extLst>
+          </a:blip>
+          <a:stretch>
+            <a:fillRect/>
+          </a:stretch>
+        </p:blipFill>
+        <p:spPr>
+          <a:xfrm>
+            <a:off x="8659123" y="123842"/>
+            <a:ext cx="3529720" cy="3596084"/>
+          </a:xfrm>
+          <a:prstGeom prst="rect">
+            <a:avLst/>
+          </a:prstGeom>
+        </p:spPr>
+      </p:pic>
     </p:spTree>
     <p:extLst>
       <p:ext uri="{BB962C8B-B14F-4D97-AF65-F5344CB8AC3E}">
-        <p14:creationId xmlns:p14="http://schemas.microsoft.com/office/powerpoint/2010/main" val="3123034231"/>
+        <p14:creationId xmlns:p14="http://schemas.microsoft.com/office/powerpoint/2010/main" val="1498066474"/>
       </p:ext>
     </p:extLst>
   </p:cSld>
@@ -939,7 +945,7 @@
           <a:p>
             <a:fld id="{9F3C136D-4284-4BF4-B73B-2C6D91154B1B}" type="datetime1">
               <a:rPr lang="ru-RU" smtClean="0"/>
-              <a:t>05.06.2017</a:t>
+              <a:t>21.07.2017</a:t>
             </a:fld>
             <a:endParaRPr lang="ru-RU"/>
           </a:p>
@@ -994,7 +1000,7 @@
     </p:spTree>
     <p:extLst>
       <p:ext uri="{BB962C8B-B14F-4D97-AF65-F5344CB8AC3E}">
-        <p14:creationId xmlns:p14="http://schemas.microsoft.com/office/powerpoint/2010/main" val="3677386668"/>
+        <p14:creationId xmlns:p14="http://schemas.microsoft.com/office/powerpoint/2010/main" val="3186945442"/>
       </p:ext>
     </p:extLst>
   </p:cSld>
@@ -1199,7 +1205,7 @@
           <a:p>
             <a:fld id="{5862849B-0B49-4869-8864-C2242170B2D4}" type="datetime1">
               <a:rPr lang="ru-RU" smtClean="0"/>
-              <a:t>05.06.2017</a:t>
+              <a:t>21.07.2017</a:t>
             </a:fld>
             <a:endParaRPr lang="ru-RU"/>
           </a:p>
@@ -1254,7 +1260,7 @@
     </p:spTree>
     <p:extLst>
       <p:ext uri="{BB962C8B-B14F-4D97-AF65-F5344CB8AC3E}">
-        <p14:creationId xmlns:p14="http://schemas.microsoft.com/office/powerpoint/2010/main" val="2653113673"/>
+        <p14:creationId xmlns:p14="http://schemas.microsoft.com/office/powerpoint/2010/main" val="3388474960"/>
       </p:ext>
     </p:extLst>
   </p:cSld>
@@ -1388,7 +1394,7 @@
     </p:spTree>
     <p:extLst>
       <p:ext uri="{BB962C8B-B14F-4D97-AF65-F5344CB8AC3E}">
-        <p14:creationId xmlns:p14="http://schemas.microsoft.com/office/powerpoint/2010/main" val="3614754304"/>
+        <p14:creationId xmlns:p14="http://schemas.microsoft.com/office/powerpoint/2010/main" val="3309746160"/>
       </p:ext>
     </p:extLst>
   </p:cSld>
@@ -1507,7 +1513,7 @@
           <a:p>
             <a:fld id="{8852489C-63A8-40BF-A04A-8691C2326E10}" type="datetime1">
               <a:rPr lang="ru-RU" smtClean="0"/>
-              <a:t>05.06.2017</a:t>
+              <a:t>21.07.2017</a:t>
             </a:fld>
             <a:endParaRPr lang="ru-RU"/>
           </a:p>
@@ -1592,7 +1598,7 @@
     </p:spTree>
     <p:extLst>
       <p:ext uri="{BB962C8B-B14F-4D97-AF65-F5344CB8AC3E}">
-        <p14:creationId xmlns:p14="http://schemas.microsoft.com/office/powerpoint/2010/main" val="1269763513"/>
+        <p14:creationId xmlns:p14="http://schemas.microsoft.com/office/powerpoint/2010/main" val="4100536957"/>
       </p:ext>
     </p:extLst>
   </p:cSld>
@@ -1884,7 +1890,7 @@
           <a:p>
             <a:fld id="{C99F9DEA-2FB8-43B9-AEBB-2E49DDA91556}" type="datetime1">
               <a:rPr lang="ru-RU" smtClean="0"/>
-              <a:t>05.06.2017</a:t>
+              <a:t>21.07.2017</a:t>
             </a:fld>
             <a:endParaRPr lang="ru-RU"/>
           </a:p>
@@ -1977,7 +1983,7 @@
     </p:spTree>
     <p:extLst>
       <p:ext uri="{BB962C8B-B14F-4D97-AF65-F5344CB8AC3E}">
-        <p14:creationId xmlns:p14="http://schemas.microsoft.com/office/powerpoint/2010/main" val="3929450369"/>
+        <p14:creationId xmlns:p14="http://schemas.microsoft.com/office/powerpoint/2010/main" val="1332911785"/>
       </p:ext>
     </p:extLst>
   </p:cSld>
@@ -2163,7 +2169,7 @@
           <a:p>
             <a:fld id="{67C4C79A-4229-4F0A-914C-5535E48FE74B}" type="datetime1">
               <a:rPr lang="ru-RU" smtClean="0"/>
-              <a:t>05.06.2017</a:t>
+              <a:t>21.07.2017</a:t>
             </a:fld>
             <a:endParaRPr lang="ru-RU"/>
           </a:p>
@@ -2218,7 +2224,7 @@
     </p:spTree>
     <p:extLst>
       <p:ext uri="{BB962C8B-B14F-4D97-AF65-F5344CB8AC3E}">
-        <p14:creationId xmlns:p14="http://schemas.microsoft.com/office/powerpoint/2010/main" val="2260932313"/>
+        <p14:creationId xmlns:p14="http://schemas.microsoft.com/office/powerpoint/2010/main" val="2423919663"/>
       </p:ext>
     </p:extLst>
   </p:cSld>
@@ -2546,7 +2552,7 @@
           <a:p>
             <a:fld id="{8BCCF69D-9224-4856-91D5-3CFB182054B7}" type="datetime1">
               <a:rPr lang="ru-RU" smtClean="0"/>
-              <a:t>05.06.2017</a:t>
+              <a:t>21.07.2017</a:t>
             </a:fld>
             <a:endParaRPr lang="ru-RU"/>
           </a:p>
@@ -2601,7 +2607,7 @@
     </p:spTree>
     <p:extLst>
       <p:ext uri="{BB962C8B-B14F-4D97-AF65-F5344CB8AC3E}">
-        <p14:creationId xmlns:p14="http://schemas.microsoft.com/office/powerpoint/2010/main" val="4217037586"/>
+        <p14:creationId xmlns:p14="http://schemas.microsoft.com/office/powerpoint/2010/main" val="2097104391"/>
       </p:ext>
     </p:extLst>
   </p:cSld>
@@ -2628,32 +2634,6 @@
           <a:chExt cx="0" cy="0"/>
         </a:xfrm>
       </p:grpSpPr>
-      <p:pic>
-        <p:nvPicPr>
-          <p:cNvPr id="6" name="Рисунок 5"/>
-          <p:cNvPicPr>
-            <a:picLocks noChangeAspect="1"/>
-          </p:cNvPicPr>
-          <p:nvPr/>
-        </p:nvPicPr>
-        <p:blipFill>
-          <a:blip r:embed="rId2">
-            <a:lum bright="70000" contrast="-70000"/>
-          </a:blip>
-          <a:stretch>
-            <a:fillRect/>
-          </a:stretch>
-        </p:blipFill>
-        <p:spPr>
-          <a:xfrm>
-            <a:off x="8639175" y="142875"/>
-            <a:ext cx="3413506" cy="3390900"/>
-          </a:xfrm>
-          <a:prstGeom prst="rect">
-            <a:avLst/>
-          </a:prstGeom>
-        </p:spPr>
-      </p:pic>
       <p:sp>
         <p:nvSpPr>
           <p:cNvPr id="2" name="Title 1"/>
@@ -2694,7 +2674,7 @@
           <a:p>
             <a:fld id="{1F033C19-8AD9-40D6-A919-B144FB957897}" type="datetime1">
               <a:rPr lang="ru-RU" smtClean="0"/>
-              <a:t>05.06.2017</a:t>
+              <a:t>21.07.2017</a:t>
             </a:fld>
             <a:endParaRPr lang="ru-RU"/>
           </a:p>
@@ -2779,7 +2759,7 @@
     </p:spTree>
     <p:extLst>
       <p:ext uri="{BB962C8B-B14F-4D97-AF65-F5344CB8AC3E}">
-        <p14:creationId xmlns:p14="http://schemas.microsoft.com/office/powerpoint/2010/main" val="2806517098"/>
+        <p14:creationId xmlns:p14="http://schemas.microsoft.com/office/powerpoint/2010/main" val="1996920233"/>
       </p:ext>
     </p:extLst>
   </p:cSld>
@@ -2899,7 +2879,7 @@
           <a:p>
             <a:fld id="{5122076C-8E42-4D14-9191-FFFFC0E8969A}" type="datetime1">
               <a:rPr lang="ru-RU" smtClean="0"/>
-              <a:t>05.06.2017</a:t>
+              <a:t>21.07.2017</a:t>
             </a:fld>
             <a:endParaRPr lang="ru-RU"/>
           </a:p>
@@ -2961,15 +2941,19 @@
       </p:sp>
       <p:pic>
         <p:nvPicPr>
-          <p:cNvPr id="10" name="Рисунок 9"/>
+          <p:cNvPr id="4" name="Рисунок 3"/>
           <p:cNvPicPr>
             <a:picLocks noChangeAspect="1"/>
           </p:cNvPicPr>
           <p:nvPr/>
         </p:nvPicPr>
         <p:blipFill>
-          <a:blip r:embed="rId2">
-            <a:lum bright="70000" contrast="-70000"/>
+          <a:blip r:embed="rId2" cstate="print">
+            <a:extLst>
+              <a:ext uri="{28A0092B-C50C-407E-A947-70E740481C1C}">
+                <a14:useLocalDpi xmlns:a14="http://schemas.microsoft.com/office/drawing/2010/main" val="0"/>
+              </a:ext>
+            </a:extLst>
           </a:blip>
           <a:stretch>
             <a:fillRect/>
@@ -2977,8 +2961,8 @@
         </p:blipFill>
         <p:spPr>
           <a:xfrm>
-            <a:off x="8639175" y="142875"/>
-            <a:ext cx="3413506" cy="3390900"/>
+            <a:off x="9594989" y="0"/>
+            <a:ext cx="2593853" cy="2642621"/>
           </a:xfrm>
           <a:prstGeom prst="rect">
             <a:avLst/>
@@ -2988,7 +2972,7 @@
     </p:spTree>
     <p:extLst>
       <p:ext uri="{BB962C8B-B14F-4D97-AF65-F5344CB8AC3E}">
-        <p14:creationId xmlns:p14="http://schemas.microsoft.com/office/powerpoint/2010/main" val="1805514551"/>
+        <p14:creationId xmlns:p14="http://schemas.microsoft.com/office/powerpoint/2010/main" val="2156379213"/>
       </p:ext>
     </p:extLst>
   </p:cSld>
@@ -3283,7 +3267,7 @@
           <a:p>
             <a:fld id="{F870C937-AEF7-4EAF-B887-FA79688BA8A8}" type="datetime1">
               <a:rPr lang="ru-RU" smtClean="0"/>
-              <a:t>05.06.2017</a:t>
+              <a:t>21.07.2017</a:t>
             </a:fld>
             <a:endParaRPr lang="ru-RU"/>
           </a:p>
@@ -3359,7 +3343,7 @@
     </p:spTree>
     <p:extLst>
       <p:ext uri="{BB962C8B-B14F-4D97-AF65-F5344CB8AC3E}">
-        <p14:creationId xmlns:p14="http://schemas.microsoft.com/office/powerpoint/2010/main" val="3798830738"/>
+        <p14:creationId xmlns:p14="http://schemas.microsoft.com/office/powerpoint/2010/main" val="1718258503"/>
       </p:ext>
     </p:extLst>
   </p:cSld>
@@ -3664,7 +3648,7 @@
           <a:p>
             <a:fld id="{F0DCC3CB-CC14-4E03-9ED4-2D83320C2B81}" type="datetime1">
               <a:rPr lang="ru-RU" smtClean="0"/>
-              <a:t>05.06.2017</a:t>
+              <a:t>21.07.2017</a:t>
             </a:fld>
             <a:endParaRPr lang="ru-RU"/>
           </a:p>
@@ -3719,7 +3703,7 @@
     </p:spTree>
     <p:extLst>
       <p:ext uri="{BB962C8B-B14F-4D97-AF65-F5344CB8AC3E}">
-        <p14:creationId xmlns:p14="http://schemas.microsoft.com/office/powerpoint/2010/main" val="827520486"/>
+        <p14:creationId xmlns:p14="http://schemas.microsoft.com/office/powerpoint/2010/main" val="288201764"/>
       </p:ext>
     </p:extLst>
   </p:cSld>
@@ -3751,32 +3735,6 @@
           <a:chExt cx="0" cy="0"/>
         </a:xfrm>
       </p:grpSpPr>
-      <p:pic>
-        <p:nvPicPr>
-          <p:cNvPr id="11" name="Рисунок 10"/>
-          <p:cNvPicPr>
-            <a:picLocks noChangeAspect="1"/>
-          </p:cNvPicPr>
-          <p:nvPr/>
-        </p:nvPicPr>
-        <p:blipFill>
-          <a:blip r:embed="rId14">
-            <a:lum bright="70000" contrast="-70000"/>
-          </a:blip>
-          <a:stretch>
-            <a:fillRect/>
-          </a:stretch>
-        </p:blipFill>
-        <p:spPr>
-          <a:xfrm>
-            <a:off x="10556472" y="54186"/>
-            <a:ext cx="1585303" cy="1574804"/>
-          </a:xfrm>
-          <a:prstGeom prst="rect">
-            <a:avLst/>
-          </a:prstGeom>
-        </p:spPr>
-      </p:pic>
       <p:cxnSp>
         <p:nvCxnSpPr>
           <p:cNvPr id="12" name="Прямая соединительная линия 11"/>
@@ -4011,7 +3969,7 @@
           <a:p>
             <a:fld id="{73A55F00-4C61-4744-BA1B-D726E285DB38}" type="datetime1">
               <a:rPr lang="ru-RU" smtClean="0"/>
-              <a:t>05.06.2017</a:t>
+              <a:t>21.07.2017</a:t>
             </a:fld>
             <a:endParaRPr lang="ru-RU"/>
           </a:p>
@@ -4133,27 +4091,57 @@
           </a:fontRef>
         </p:style>
       </p:cxnSp>
+      <p:pic>
+        <p:nvPicPr>
+          <p:cNvPr id="16" name="Рисунок 15"/>
+          <p:cNvPicPr>
+            <a:picLocks noChangeAspect="1"/>
+          </p:cNvPicPr>
+          <p:nvPr/>
+        </p:nvPicPr>
+        <p:blipFill>
+          <a:blip r:embed="rId14" cstate="print">
+            <a:extLst>
+              <a:ext uri="{28A0092B-C50C-407E-A947-70E740481C1C}">
+                <a14:useLocalDpi xmlns:a14="http://schemas.microsoft.com/office/drawing/2010/main" val="0"/>
+              </a:ext>
+            </a:extLst>
+          </a:blip>
+          <a:stretch>
+            <a:fillRect/>
+          </a:stretch>
+        </p:blipFill>
+        <p:spPr>
+          <a:xfrm>
+            <a:off x="10340064" y="-165977"/>
+            <a:ext cx="2079399" cy="2118495"/>
+          </a:xfrm>
+          <a:prstGeom prst="rect">
+            <a:avLst/>
+          </a:prstGeom>
+        </p:spPr>
+      </p:pic>
     </p:spTree>
     <p:extLst>
       <p:ext uri="{BB962C8B-B14F-4D97-AF65-F5344CB8AC3E}">
-        <p14:creationId xmlns:p14="http://schemas.microsoft.com/office/powerpoint/2010/main" val="1404513696"/>
+        <p14:creationId xmlns:p14="http://schemas.microsoft.com/office/powerpoint/2010/main" val="492338096"/>
       </p:ext>
     </p:extLst>
   </p:cSld>
   <p:clrMap bg1="lt1" tx1="dk1" bg2="lt2" tx2="dk2" accent1="accent1" accent2="accent2" accent3="accent3" accent4="accent4" accent5="accent5" accent6="accent6" hlink="hlink" folHlink="folHlink"/>
   <p:sldLayoutIdLst>
-    <p:sldLayoutId id="2147483661" r:id="rId1"/>
-    <p:sldLayoutId id="2147483662" r:id="rId2"/>
-    <p:sldLayoutId id="2147483663" r:id="rId3"/>
-    <p:sldLayoutId id="2147483664" r:id="rId4"/>
-    <p:sldLayoutId id="2147483665" r:id="rId5"/>
-    <p:sldLayoutId id="2147483666" r:id="rId6"/>
-    <p:sldLayoutId id="2147483667" r:id="rId7"/>
-    <p:sldLayoutId id="2147483668" r:id="rId8"/>
-    <p:sldLayoutId id="2147483669" r:id="rId9"/>
-    <p:sldLayoutId id="2147483670" r:id="rId10"/>
-    <p:sldLayoutId id="2147483671" r:id="rId11"/>
-    <p:sldLayoutId id="2147483672" r:id="rId12"/>
+    <p:sldLayoutId id="2147483674" r:id="rId1"/>
+    <p:sldLayoutId id="2147483675" r:id="rId2"/>
+    <p:sldLayoutId id="2147483676" r:id="rId3"/>
+    <p:sldLayoutId id="2147483677" r:id="rId4"/>
+    <p:sldLayoutId id="2147483678" r:id="rId5"/>
+    <p:sldLayoutId id="2147483679" r:id="rId6"/>
+    <p:sldLayoutId id="2147483680" r:id="rId7"/>
+    <p:sldLayoutId id="2147483681" r:id="rId8"/>
+    <p:sldLayoutId id="2147483682" r:id="rId9"/>
+    <p:sldLayoutId id="2147483683" r:id="rId10"/>
+    <p:sldLayoutId id="2147483684" r:id="rId11"/>
+    <p:sldLayoutId id="2147483685" r:id="rId12"/>
   </p:sldLayoutIdLst>
   <p:hf hdr="0" dt="0"/>
   <p:txStyles>
@@ -4704,6 +4692,52 @@
           </a:p>
         </p:txBody>
       </p:sp>
+      <p:sp>
+        <p:nvSpPr>
+          <p:cNvPr id="4" name="Нижний колонтитул 3"/>
+          <p:cNvSpPr>
+            <a:spLocks noGrp="1"/>
+          </p:cNvSpPr>
+          <p:nvPr>
+            <p:ph type="ftr" sz="quarter" idx="11"/>
+          </p:nvPr>
+        </p:nvSpPr>
+        <p:spPr/>
+        <p:txBody>
+          <a:bodyPr/>
+          <a:lstStyle/>
+          <a:p>
+            <a:r>
+              <a:rPr lang="ru-RU" smtClean="0"/>
+              <a:t>Кафедра 24. "Компьютерный практикум по прикладной ядерной физике: Geant4"</a:t>
+            </a:r>
+            <a:endParaRPr lang="ru-RU"/>
+          </a:p>
+        </p:txBody>
+      </p:sp>
+      <p:sp>
+        <p:nvSpPr>
+          <p:cNvPr id="6" name="Номер слайда 5"/>
+          <p:cNvSpPr>
+            <a:spLocks noGrp="1"/>
+          </p:cNvSpPr>
+          <p:nvPr>
+            <p:ph type="sldNum" sz="quarter" idx="12"/>
+          </p:nvPr>
+        </p:nvSpPr>
+        <p:spPr/>
+        <p:txBody>
+          <a:bodyPr/>
+          <a:lstStyle/>
+          <a:p>
+            <a:fld id="{36F93F42-7F1C-429B-93C3-8A860B02B4B5}" type="slidenum">
+              <a:rPr lang="ru-RU" smtClean="0"/>
+              <a:t>10</a:t>
+            </a:fld>
+            <a:endParaRPr lang="ru-RU"/>
+          </a:p>
+        </p:txBody>
+      </p:sp>
       <p:pic>
         <p:nvPicPr>
           <p:cNvPr id="5" name="Рисунок 4"/>
@@ -5083,52 +5117,6 @@
               <a:t>даже для первичной частицы. </a:t>
             </a:r>
             <a:endParaRPr lang="ru-RU" i="1" dirty="0"/>
-          </a:p>
-        </p:txBody>
-      </p:sp>
-      <p:sp>
-        <p:nvSpPr>
-          <p:cNvPr id="4" name="Нижний колонтитул 3"/>
-          <p:cNvSpPr>
-            <a:spLocks noGrp="1"/>
-          </p:cNvSpPr>
-          <p:nvPr>
-            <p:ph type="ftr" sz="quarter" idx="11"/>
-          </p:nvPr>
-        </p:nvSpPr>
-        <p:spPr/>
-        <p:txBody>
-          <a:bodyPr/>
-          <a:lstStyle/>
-          <a:p>
-            <a:r>
-              <a:rPr lang="ru-RU" smtClean="0"/>
-              <a:t>Кафедра 24. "Компьютерный практикум по прикладной ядерной физике: Geant4"</a:t>
-            </a:r>
-            <a:endParaRPr lang="ru-RU"/>
-          </a:p>
-        </p:txBody>
-      </p:sp>
-      <p:sp>
-        <p:nvSpPr>
-          <p:cNvPr id="6" name="Номер слайда 5"/>
-          <p:cNvSpPr>
-            <a:spLocks noGrp="1"/>
-          </p:cNvSpPr>
-          <p:nvPr>
-            <p:ph type="sldNum" sz="quarter" idx="12"/>
-          </p:nvPr>
-        </p:nvSpPr>
-        <p:spPr/>
-        <p:txBody>
-          <a:bodyPr/>
-          <a:lstStyle/>
-          <a:p>
-            <a:fld id="{36F93F42-7F1C-429B-93C3-8A860B02B4B5}" type="slidenum">
-              <a:rPr lang="ru-RU" smtClean="0"/>
-              <a:t>10</a:t>
-            </a:fld>
-            <a:endParaRPr lang="ru-RU"/>
           </a:p>
         </p:txBody>
       </p:sp>
@@ -5223,6 +5211,52 @@
           </a:p>
         </p:txBody>
       </p:sp>
+      <p:sp>
+        <p:nvSpPr>
+          <p:cNvPr id="4" name="Нижний колонтитул 3"/>
+          <p:cNvSpPr>
+            <a:spLocks noGrp="1"/>
+          </p:cNvSpPr>
+          <p:nvPr>
+            <p:ph type="ftr" sz="quarter" idx="11"/>
+          </p:nvPr>
+        </p:nvSpPr>
+        <p:spPr/>
+        <p:txBody>
+          <a:bodyPr/>
+          <a:lstStyle/>
+          <a:p>
+            <a:r>
+              <a:rPr lang="ru-RU" smtClean="0"/>
+              <a:t>Кафедра 24. "Компьютерный практикум по прикладной ядерной физике: Geant4"</a:t>
+            </a:r>
+            <a:endParaRPr lang="ru-RU"/>
+          </a:p>
+        </p:txBody>
+      </p:sp>
+      <p:sp>
+        <p:nvSpPr>
+          <p:cNvPr id="7" name="Номер слайда 6"/>
+          <p:cNvSpPr>
+            <a:spLocks noGrp="1"/>
+          </p:cNvSpPr>
+          <p:nvPr>
+            <p:ph type="sldNum" sz="quarter" idx="12"/>
+          </p:nvPr>
+        </p:nvSpPr>
+        <p:spPr/>
+        <p:txBody>
+          <a:bodyPr/>
+          <a:lstStyle/>
+          <a:p>
+            <a:fld id="{36F93F42-7F1C-429B-93C3-8A860B02B4B5}" type="slidenum">
+              <a:rPr lang="ru-RU" smtClean="0"/>
+              <a:t>11</a:t>
+            </a:fld>
+            <a:endParaRPr lang="ru-RU"/>
+          </a:p>
+        </p:txBody>
+      </p:sp>
       <p:pic>
         <p:nvPicPr>
           <p:cNvPr id="5" name="Рисунок 4"/>
@@ -5579,52 +5613,6 @@
               <a:t>количество запускаемых частиц</a:t>
             </a:r>
             <a:endParaRPr lang="ru-RU" sz="1800" i="1" dirty="0"/>
-          </a:p>
-        </p:txBody>
-      </p:sp>
-      <p:sp>
-        <p:nvSpPr>
-          <p:cNvPr id="4" name="Нижний колонтитул 3"/>
-          <p:cNvSpPr>
-            <a:spLocks noGrp="1"/>
-          </p:cNvSpPr>
-          <p:nvPr>
-            <p:ph type="ftr" sz="quarter" idx="11"/>
-          </p:nvPr>
-        </p:nvSpPr>
-        <p:spPr/>
-        <p:txBody>
-          <a:bodyPr/>
-          <a:lstStyle/>
-          <a:p>
-            <a:r>
-              <a:rPr lang="ru-RU" smtClean="0"/>
-              <a:t>Кафедра 24. "Компьютерный практикум по прикладной ядерной физике: Geant4"</a:t>
-            </a:r>
-            <a:endParaRPr lang="ru-RU"/>
-          </a:p>
-        </p:txBody>
-      </p:sp>
-      <p:sp>
-        <p:nvSpPr>
-          <p:cNvPr id="7" name="Номер слайда 6"/>
-          <p:cNvSpPr>
-            <a:spLocks noGrp="1"/>
-          </p:cNvSpPr>
-          <p:nvPr>
-            <p:ph type="sldNum" sz="quarter" idx="12"/>
-          </p:nvPr>
-        </p:nvSpPr>
-        <p:spPr/>
-        <p:txBody>
-          <a:bodyPr/>
-          <a:lstStyle/>
-          <a:p>
-            <a:fld id="{36F93F42-7F1C-429B-93C3-8A860B02B4B5}" type="slidenum">
-              <a:rPr lang="ru-RU" smtClean="0"/>
-              <a:t>11</a:t>
-            </a:fld>
-            <a:endParaRPr lang="ru-RU"/>
           </a:p>
         </p:txBody>
       </p:sp>
@@ -5731,6 +5719,52 @@
           </a:p>
         </p:txBody>
       </p:sp>
+      <p:sp>
+        <p:nvSpPr>
+          <p:cNvPr id="4" name="Нижний колонтитул 3"/>
+          <p:cNvSpPr>
+            <a:spLocks noGrp="1"/>
+          </p:cNvSpPr>
+          <p:nvPr>
+            <p:ph type="ftr" sz="quarter" idx="11"/>
+          </p:nvPr>
+        </p:nvSpPr>
+        <p:spPr/>
+        <p:txBody>
+          <a:bodyPr/>
+          <a:lstStyle/>
+          <a:p>
+            <a:r>
+              <a:rPr lang="ru-RU" smtClean="0"/>
+              <a:t>Кафедра 24. "Компьютерный практикум по прикладной ядерной физике: Geant4"</a:t>
+            </a:r>
+            <a:endParaRPr lang="ru-RU"/>
+          </a:p>
+        </p:txBody>
+      </p:sp>
+      <p:sp>
+        <p:nvSpPr>
+          <p:cNvPr id="8" name="Номер слайда 7"/>
+          <p:cNvSpPr>
+            <a:spLocks noGrp="1"/>
+          </p:cNvSpPr>
+          <p:nvPr>
+            <p:ph type="sldNum" sz="quarter" idx="12"/>
+          </p:nvPr>
+        </p:nvSpPr>
+        <p:spPr/>
+        <p:txBody>
+          <a:bodyPr/>
+          <a:lstStyle/>
+          <a:p>
+            <a:fld id="{36F93F42-7F1C-429B-93C3-8A860B02B4B5}" type="slidenum">
+              <a:rPr lang="ru-RU" smtClean="0"/>
+              <a:t>12</a:t>
+            </a:fld>
+            <a:endParaRPr lang="ru-RU"/>
+          </a:p>
+        </p:txBody>
+      </p:sp>
       <p:pic>
         <p:nvPicPr>
           <p:cNvPr id="5" name="Рисунок 4"/>
@@ -6095,52 +6129,6 @@
           </a:prstGeom>
         </p:spPr>
       </p:pic>
-      <p:sp>
-        <p:nvSpPr>
-          <p:cNvPr id="4" name="Нижний колонтитул 3"/>
-          <p:cNvSpPr>
-            <a:spLocks noGrp="1"/>
-          </p:cNvSpPr>
-          <p:nvPr>
-            <p:ph type="ftr" sz="quarter" idx="11"/>
-          </p:nvPr>
-        </p:nvSpPr>
-        <p:spPr/>
-        <p:txBody>
-          <a:bodyPr/>
-          <a:lstStyle/>
-          <a:p>
-            <a:r>
-              <a:rPr lang="ru-RU" smtClean="0"/>
-              <a:t>Кафедра 24. "Компьютерный практикум по прикладной ядерной физике: Geant4"</a:t>
-            </a:r>
-            <a:endParaRPr lang="ru-RU"/>
-          </a:p>
-        </p:txBody>
-      </p:sp>
-      <p:sp>
-        <p:nvSpPr>
-          <p:cNvPr id="8" name="Номер слайда 7"/>
-          <p:cNvSpPr>
-            <a:spLocks noGrp="1"/>
-          </p:cNvSpPr>
-          <p:nvPr>
-            <p:ph type="sldNum" sz="quarter" idx="12"/>
-          </p:nvPr>
-        </p:nvSpPr>
-        <p:spPr/>
-        <p:txBody>
-          <a:bodyPr/>
-          <a:lstStyle/>
-          <a:p>
-            <a:fld id="{36F93F42-7F1C-429B-93C3-8A860B02B4B5}" type="slidenum">
-              <a:rPr lang="ru-RU" smtClean="0"/>
-              <a:t>12</a:t>
-            </a:fld>
-            <a:endParaRPr lang="ru-RU"/>
-          </a:p>
-        </p:txBody>
-      </p:sp>
     </p:spTree>
     <p:extLst>
       <p:ext uri="{BB962C8B-B14F-4D97-AF65-F5344CB8AC3E}">
@@ -6285,6 +6273,52 @@
       </p:sp>
       <p:sp>
         <p:nvSpPr>
+          <p:cNvPr id="4" name="Нижний колонтитул 3"/>
+          <p:cNvSpPr>
+            <a:spLocks noGrp="1"/>
+          </p:cNvSpPr>
+          <p:nvPr>
+            <p:ph type="ftr" sz="quarter" idx="11"/>
+          </p:nvPr>
+        </p:nvSpPr>
+        <p:spPr/>
+        <p:txBody>
+          <a:bodyPr/>
+          <a:lstStyle/>
+          <a:p>
+            <a:r>
+              <a:rPr lang="ru-RU" smtClean="0"/>
+              <a:t>Кафедра 24. "Компьютерный практикум по прикладной ядерной физике: Geant4"</a:t>
+            </a:r>
+            <a:endParaRPr lang="ru-RU"/>
+          </a:p>
+        </p:txBody>
+      </p:sp>
+      <p:sp>
+        <p:nvSpPr>
+          <p:cNvPr id="5" name="Номер слайда 4"/>
+          <p:cNvSpPr>
+            <a:spLocks noGrp="1"/>
+          </p:cNvSpPr>
+          <p:nvPr>
+            <p:ph type="sldNum" sz="quarter" idx="12"/>
+          </p:nvPr>
+        </p:nvSpPr>
+        <p:spPr/>
+        <p:txBody>
+          <a:bodyPr/>
+          <a:lstStyle/>
+          <a:p>
+            <a:fld id="{36F93F42-7F1C-429B-93C3-8A860B02B4B5}" type="slidenum">
+              <a:rPr lang="ru-RU" smtClean="0"/>
+              <a:t>13</a:t>
+            </a:fld>
+            <a:endParaRPr lang="ru-RU"/>
+          </a:p>
+        </p:txBody>
+      </p:sp>
+      <p:sp>
+        <p:nvSpPr>
           <p:cNvPr id="6" name="Объект 2"/>
           <p:cNvSpPr txBox="1">
             <a:spLocks/>
@@ -6662,52 +6696,6 @@
           </a:prstGeom>
         </p:spPr>
       </p:pic>
-      <p:sp>
-        <p:nvSpPr>
-          <p:cNvPr id="4" name="Нижний колонтитул 3"/>
-          <p:cNvSpPr>
-            <a:spLocks noGrp="1"/>
-          </p:cNvSpPr>
-          <p:nvPr>
-            <p:ph type="ftr" sz="quarter" idx="11"/>
-          </p:nvPr>
-        </p:nvSpPr>
-        <p:spPr/>
-        <p:txBody>
-          <a:bodyPr/>
-          <a:lstStyle/>
-          <a:p>
-            <a:r>
-              <a:rPr lang="ru-RU" smtClean="0"/>
-              <a:t>Кафедра 24. "Компьютерный практикум по прикладной ядерной физике: Geant4"</a:t>
-            </a:r>
-            <a:endParaRPr lang="ru-RU"/>
-          </a:p>
-        </p:txBody>
-      </p:sp>
-      <p:sp>
-        <p:nvSpPr>
-          <p:cNvPr id="5" name="Номер слайда 4"/>
-          <p:cNvSpPr>
-            <a:spLocks noGrp="1"/>
-          </p:cNvSpPr>
-          <p:nvPr>
-            <p:ph type="sldNum" sz="quarter" idx="12"/>
-          </p:nvPr>
-        </p:nvSpPr>
-        <p:spPr/>
-        <p:txBody>
-          <a:bodyPr/>
-          <a:lstStyle/>
-          <a:p>
-            <a:fld id="{36F93F42-7F1C-429B-93C3-8A860B02B4B5}" type="slidenum">
-              <a:rPr lang="ru-RU" smtClean="0"/>
-              <a:t>13</a:t>
-            </a:fld>
-            <a:endParaRPr lang="ru-RU"/>
-          </a:p>
-        </p:txBody>
-      </p:sp>
     </p:spTree>
     <p:extLst>
       <p:ext uri="{BB962C8B-B14F-4D97-AF65-F5344CB8AC3E}">
@@ -9570,6 +9558,52 @@
       </p:sp>
       <p:sp>
         <p:nvSpPr>
+          <p:cNvPr id="5" name="Нижний колонтитул 4"/>
+          <p:cNvSpPr>
+            <a:spLocks noGrp="1"/>
+          </p:cNvSpPr>
+          <p:nvPr>
+            <p:ph type="ftr" sz="quarter" idx="11"/>
+          </p:nvPr>
+        </p:nvSpPr>
+        <p:spPr/>
+        <p:txBody>
+          <a:bodyPr/>
+          <a:lstStyle/>
+          <a:p>
+            <a:r>
+              <a:rPr lang="ru-RU" smtClean="0"/>
+              <a:t>Кафедра 24. "Компьютерный практикум по прикладной ядерной физике: Geant4"</a:t>
+            </a:r>
+            <a:endParaRPr lang="ru-RU"/>
+          </a:p>
+        </p:txBody>
+      </p:sp>
+      <p:sp>
+        <p:nvSpPr>
+          <p:cNvPr id="10" name="Номер слайда 9"/>
+          <p:cNvSpPr>
+            <a:spLocks noGrp="1"/>
+          </p:cNvSpPr>
+          <p:nvPr>
+            <p:ph type="sldNum" sz="quarter" idx="12"/>
+          </p:nvPr>
+        </p:nvSpPr>
+        <p:spPr/>
+        <p:txBody>
+          <a:bodyPr/>
+          <a:lstStyle/>
+          <a:p>
+            <a:fld id="{36F93F42-7F1C-429B-93C3-8A860B02B4B5}" type="slidenum">
+              <a:rPr lang="ru-RU" smtClean="0"/>
+              <a:t>6</a:t>
+            </a:fld>
+            <a:endParaRPr lang="ru-RU"/>
+          </a:p>
+        </p:txBody>
+      </p:sp>
+      <p:sp>
+        <p:nvSpPr>
           <p:cNvPr id="4" name="Объект 2"/>
           <p:cNvSpPr txBox="1">
             <a:spLocks/>
@@ -10119,52 +10153,6 @@
               <a:t>Событие</a:t>
             </a:r>
             <a:endParaRPr lang="ru-RU" dirty="0"/>
-          </a:p>
-        </p:txBody>
-      </p:sp>
-      <p:sp>
-        <p:nvSpPr>
-          <p:cNvPr id="5" name="Нижний колонтитул 4"/>
-          <p:cNvSpPr>
-            <a:spLocks noGrp="1"/>
-          </p:cNvSpPr>
-          <p:nvPr>
-            <p:ph type="ftr" sz="quarter" idx="11"/>
-          </p:nvPr>
-        </p:nvSpPr>
-        <p:spPr/>
-        <p:txBody>
-          <a:bodyPr/>
-          <a:lstStyle/>
-          <a:p>
-            <a:r>
-              <a:rPr lang="ru-RU" smtClean="0"/>
-              <a:t>Кафедра 24. "Компьютерный практикум по прикладной ядерной физике: Geant4"</a:t>
-            </a:r>
-            <a:endParaRPr lang="ru-RU"/>
-          </a:p>
-        </p:txBody>
-      </p:sp>
-      <p:sp>
-        <p:nvSpPr>
-          <p:cNvPr id="10" name="Номер слайда 9"/>
-          <p:cNvSpPr>
-            <a:spLocks noGrp="1"/>
-          </p:cNvSpPr>
-          <p:nvPr>
-            <p:ph type="sldNum" sz="quarter" idx="12"/>
-          </p:nvPr>
-        </p:nvSpPr>
-        <p:spPr/>
-        <p:txBody>
-          <a:bodyPr/>
-          <a:lstStyle/>
-          <a:p>
-            <a:fld id="{36F93F42-7F1C-429B-93C3-8A860B02B4B5}" type="slidenum">
-              <a:rPr lang="ru-RU" smtClean="0"/>
-              <a:t>6</a:t>
-            </a:fld>
-            <a:endParaRPr lang="ru-RU"/>
           </a:p>
         </p:txBody>
       </p:sp>
@@ -10417,6 +10405,169 @@
       </p:sp>
       <p:sp>
         <p:nvSpPr>
+          <p:cNvPr id="40" name="Объект 2"/>
+          <p:cNvSpPr>
+            <a:spLocks noGrp="1"/>
+          </p:cNvSpPr>
+          <p:nvPr>
+            <p:ph idx="1"/>
+          </p:nvPr>
+        </p:nvSpPr>
+        <p:spPr>
+          <a:xfrm>
+            <a:off x="5606040" y="2418460"/>
+            <a:ext cx="5549639" cy="3358496"/>
+          </a:xfrm>
+        </p:spPr>
+        <p:txBody>
+          <a:bodyPr>
+            <a:normAutofit/>
+          </a:bodyPr>
+          <a:lstStyle/>
+          <a:p>
+            <a:pPr>
+              <a:buFont typeface="Wingdings" panose="05000000000000000000" pitchFamily="2" charset="2"/>
+              <a:buChar char="q"/>
+            </a:pPr>
+            <a:r>
+              <a:rPr lang="ru-RU" dirty="0" smtClean="0"/>
+              <a:t>События состоят из треков</a:t>
+            </a:r>
+          </a:p>
+          <a:p>
+            <a:pPr>
+              <a:buFont typeface="Wingdings" panose="05000000000000000000" pitchFamily="2" charset="2"/>
+              <a:buChar char="q"/>
+            </a:pPr>
+            <a:r>
+              <a:rPr lang="ru-RU" dirty="0" smtClean="0"/>
+              <a:t>Треки состоят из шагов</a:t>
+            </a:r>
+          </a:p>
+          <a:p>
+            <a:pPr marL="85725" indent="0" algn="just">
+              <a:buNone/>
+            </a:pPr>
+            <a:r>
+              <a:rPr lang="ru-RU" sz="1800" i="1" dirty="0" smtClean="0"/>
+              <a:t>Примечание: Для предоставления доступа из шага или из трека к событию, в конструкторах классов действий </a:t>
+            </a:r>
+            <a:r>
+              <a:rPr lang="en-US" sz="1800" b="1" i="1" dirty="0">
+                <a:solidFill>
+                  <a:schemeClr val="accent1">
+                    <a:lumMod val="75000"/>
+                  </a:schemeClr>
+                </a:solidFill>
+              </a:rPr>
+              <a:t>G4UserTrackingAction</a:t>
+            </a:r>
+            <a:r>
+              <a:rPr lang="ru-RU" sz="1800" i="1" dirty="0"/>
+              <a:t>,</a:t>
+            </a:r>
+            <a:r>
+              <a:rPr lang="en-US" sz="1800" i="1" dirty="0"/>
+              <a:t> </a:t>
+            </a:r>
+            <a:r>
+              <a:rPr lang="ru-RU" sz="1800" i="1" dirty="0"/>
+              <a:t>а так же </a:t>
+            </a:r>
+            <a:r>
+              <a:rPr lang="en-US" sz="1800" b="1" i="1" dirty="0">
+                <a:solidFill>
+                  <a:schemeClr val="accent1">
+                    <a:lumMod val="75000"/>
+                  </a:schemeClr>
+                </a:solidFill>
+              </a:rPr>
+              <a:t>G4UserSteppingAction</a:t>
+            </a:r>
+            <a:r>
+              <a:rPr lang="ru-RU" sz="1800" i="1" dirty="0" smtClean="0"/>
+              <a:t> желательно передать указатель на </a:t>
+            </a:r>
+            <a:r>
+              <a:rPr lang="en-US" sz="1800" b="1" i="1" dirty="0">
+                <a:solidFill>
+                  <a:schemeClr val="accent1">
+                    <a:lumMod val="75000"/>
+                  </a:schemeClr>
+                </a:solidFill>
+              </a:rPr>
+              <a:t>G4UserEventAction</a:t>
+            </a:r>
+            <a:r>
+              <a:rPr lang="ru-RU" sz="1800" b="1" i="1" dirty="0" smtClean="0">
+                <a:solidFill>
+                  <a:schemeClr val="accent2">
+                    <a:lumMod val="75000"/>
+                  </a:schemeClr>
+                </a:solidFill>
+              </a:rPr>
+              <a:t> </a:t>
+            </a:r>
+            <a:r>
+              <a:rPr lang="ru-RU" sz="1800" i="1" dirty="0"/>
+              <a:t>за счет чего устанавливается обратная </a:t>
+            </a:r>
+            <a:r>
+              <a:rPr lang="ru-RU" sz="1800" i="1" dirty="0" smtClean="0"/>
+              <a:t>связь. </a:t>
+            </a:r>
+            <a:endParaRPr lang="ru-RU" sz="1800" i="1" dirty="0"/>
+          </a:p>
+        </p:txBody>
+      </p:sp>
+      <p:sp>
+        <p:nvSpPr>
+          <p:cNvPr id="3" name="Нижний колонтитул 2"/>
+          <p:cNvSpPr>
+            <a:spLocks noGrp="1"/>
+          </p:cNvSpPr>
+          <p:nvPr>
+            <p:ph type="ftr" sz="quarter" idx="11"/>
+          </p:nvPr>
+        </p:nvSpPr>
+        <p:spPr/>
+        <p:txBody>
+          <a:bodyPr/>
+          <a:lstStyle/>
+          <a:p>
+            <a:r>
+              <a:rPr lang="ru-RU" smtClean="0"/>
+              <a:t>Кафедра 24. "Компьютерный практикум по прикладной ядерной физике: Geant4"</a:t>
+            </a:r>
+            <a:endParaRPr lang="ru-RU"/>
+          </a:p>
+        </p:txBody>
+      </p:sp>
+      <p:sp>
+        <p:nvSpPr>
+          <p:cNvPr id="4" name="Номер слайда 3"/>
+          <p:cNvSpPr>
+            <a:spLocks noGrp="1"/>
+          </p:cNvSpPr>
+          <p:nvPr>
+            <p:ph type="sldNum" sz="quarter" idx="12"/>
+          </p:nvPr>
+        </p:nvSpPr>
+        <p:spPr/>
+        <p:txBody>
+          <a:bodyPr/>
+          <a:lstStyle/>
+          <a:p>
+            <a:fld id="{36F93F42-7F1C-429B-93C3-8A860B02B4B5}" type="slidenum">
+              <a:rPr lang="ru-RU" smtClean="0"/>
+              <a:t>8</a:t>
+            </a:fld>
+            <a:endParaRPr lang="ru-RU"/>
+          </a:p>
+        </p:txBody>
+      </p:sp>
+      <p:sp>
+        <p:nvSpPr>
           <p:cNvPr id="5" name="Прямоугольник 4"/>
           <p:cNvSpPr/>
           <p:nvPr/>
@@ -10652,123 +10803,6 @@
           </a:fontRef>
         </p:style>
       </p:cxnSp>
-      <p:sp>
-        <p:nvSpPr>
-          <p:cNvPr id="40" name="Объект 2"/>
-          <p:cNvSpPr>
-            <a:spLocks noGrp="1"/>
-          </p:cNvSpPr>
-          <p:nvPr>
-            <p:ph idx="1"/>
-          </p:nvPr>
-        </p:nvSpPr>
-        <p:spPr>
-          <a:xfrm>
-            <a:off x="5606040" y="2418460"/>
-            <a:ext cx="5549639" cy="3358496"/>
-          </a:xfrm>
-        </p:spPr>
-        <p:txBody>
-          <a:bodyPr>
-            <a:normAutofit/>
-          </a:bodyPr>
-          <a:lstStyle/>
-          <a:p>
-            <a:pPr>
-              <a:buFont typeface="Wingdings" panose="05000000000000000000" pitchFamily="2" charset="2"/>
-              <a:buChar char="q"/>
-            </a:pPr>
-            <a:r>
-              <a:rPr lang="ru-RU" dirty="0" smtClean="0"/>
-              <a:t>События состоят из треков</a:t>
-            </a:r>
-          </a:p>
-          <a:p>
-            <a:pPr>
-              <a:buFont typeface="Wingdings" panose="05000000000000000000" pitchFamily="2" charset="2"/>
-              <a:buChar char="q"/>
-            </a:pPr>
-            <a:r>
-              <a:rPr lang="ru-RU" dirty="0" smtClean="0"/>
-              <a:t>Треки состоят из шагов</a:t>
-            </a:r>
-          </a:p>
-          <a:p>
-            <a:pPr marL="85725" indent="0" algn="just">
-              <a:buNone/>
-            </a:pPr>
-            <a:r>
-              <a:rPr lang="ru-RU" sz="1800" i="1" dirty="0" smtClean="0"/>
-              <a:t>Примечание: Для предоставления доступа из шага или из трека к событию, в конструкторах классов действий </a:t>
-            </a:r>
-            <a:r>
-              <a:rPr lang="en-US" sz="1800" b="1" i="1" dirty="0">
-                <a:solidFill>
-                  <a:schemeClr val="accent1">
-                    <a:lumMod val="75000"/>
-                  </a:schemeClr>
-                </a:solidFill>
-              </a:rPr>
-              <a:t>G4UserTrackingAction</a:t>
-            </a:r>
-            <a:r>
-              <a:rPr lang="ru-RU" sz="1800" i="1" dirty="0"/>
-              <a:t>,</a:t>
-            </a:r>
-            <a:r>
-              <a:rPr lang="en-US" sz="1800" i="1" dirty="0"/>
-              <a:t> </a:t>
-            </a:r>
-            <a:r>
-              <a:rPr lang="ru-RU" sz="1800" i="1" dirty="0"/>
-              <a:t>а так же </a:t>
-            </a:r>
-            <a:r>
-              <a:rPr lang="en-US" sz="1800" b="1" i="1" dirty="0">
-                <a:solidFill>
-                  <a:schemeClr val="accent1">
-                    <a:lumMod val="75000"/>
-                  </a:schemeClr>
-                </a:solidFill>
-              </a:rPr>
-              <a:t>G4UserSteppingAction</a:t>
-            </a:r>
-            <a:r>
-              <a:rPr lang="ru-RU" sz="1800" i="1" dirty="0" smtClean="0"/>
-              <a:t> желательно передать указатель на </a:t>
-            </a:r>
-            <a:r>
-              <a:rPr lang="en-US" sz="1800" b="1" i="1" dirty="0">
-                <a:solidFill>
-                  <a:schemeClr val="accent1">
-                    <a:lumMod val="75000"/>
-                  </a:schemeClr>
-                </a:solidFill>
-              </a:rPr>
-              <a:t>G4UserEventAction</a:t>
-            </a:r>
-            <a:r>
-              <a:rPr lang="ru-RU" sz="1800" b="1" i="1" dirty="0" smtClean="0">
-                <a:solidFill>
-                  <a:schemeClr val="accent2">
-                    <a:lumMod val="75000"/>
-                  </a:schemeClr>
-                </a:solidFill>
-              </a:rPr>
-              <a:t> </a:t>
-            </a:r>
-            <a:r>
-              <a:rPr lang="ru-RU" sz="1800" i="1" dirty="0"/>
-              <a:t>за счет чего устанавливается обратная </a:t>
-            </a:r>
-            <a:r>
-              <a:rPr lang="ru-RU" sz="1800" i="1" dirty="0" smtClean="0"/>
-              <a:t>связь. </a:t>
-            </a:r>
-            <a:endParaRPr lang="ru-RU" sz="1800" i="1" dirty="0"/>
-          </a:p>
-        </p:txBody>
-      </p:sp>
       <p:cxnSp>
         <p:nvCxnSpPr>
           <p:cNvPr id="42" name="Прямая соединительная линия 41"/>
@@ -10808,52 +10842,6 @@
           </a:fontRef>
         </p:style>
       </p:cxnSp>
-      <p:sp>
-        <p:nvSpPr>
-          <p:cNvPr id="3" name="Нижний колонтитул 2"/>
-          <p:cNvSpPr>
-            <a:spLocks noGrp="1"/>
-          </p:cNvSpPr>
-          <p:nvPr>
-            <p:ph type="ftr" sz="quarter" idx="11"/>
-          </p:nvPr>
-        </p:nvSpPr>
-        <p:spPr/>
-        <p:txBody>
-          <a:bodyPr/>
-          <a:lstStyle/>
-          <a:p>
-            <a:r>
-              <a:rPr lang="ru-RU" smtClean="0"/>
-              <a:t>Кафедра 24. "Компьютерный практикум по прикладной ядерной физике: Geant4"</a:t>
-            </a:r>
-            <a:endParaRPr lang="ru-RU"/>
-          </a:p>
-        </p:txBody>
-      </p:sp>
-      <p:sp>
-        <p:nvSpPr>
-          <p:cNvPr id="4" name="Номер слайда 3"/>
-          <p:cNvSpPr>
-            <a:spLocks noGrp="1"/>
-          </p:cNvSpPr>
-          <p:nvPr>
-            <p:ph type="sldNum" sz="quarter" idx="12"/>
-          </p:nvPr>
-        </p:nvSpPr>
-        <p:spPr/>
-        <p:txBody>
-          <a:bodyPr/>
-          <a:lstStyle/>
-          <a:p>
-            <a:fld id="{36F93F42-7F1C-429B-93C3-8A860B02B4B5}" type="slidenum">
-              <a:rPr lang="ru-RU" smtClean="0"/>
-              <a:t>8</a:t>
-            </a:fld>
-            <a:endParaRPr lang="ru-RU"/>
-          </a:p>
-        </p:txBody>
-      </p:sp>
     </p:spTree>
     <p:extLst>
       <p:ext uri="{BB962C8B-B14F-4D97-AF65-F5344CB8AC3E}">
@@ -11007,6 +10995,52 @@
           </a:p>
         </p:txBody>
       </p:sp>
+      <p:sp>
+        <p:nvSpPr>
+          <p:cNvPr id="4" name="Нижний колонтитул 3"/>
+          <p:cNvSpPr>
+            <a:spLocks noGrp="1"/>
+          </p:cNvSpPr>
+          <p:nvPr>
+            <p:ph type="ftr" sz="quarter" idx="11"/>
+          </p:nvPr>
+        </p:nvSpPr>
+        <p:spPr/>
+        <p:txBody>
+          <a:bodyPr/>
+          <a:lstStyle/>
+          <a:p>
+            <a:r>
+              <a:rPr lang="ru-RU" smtClean="0"/>
+              <a:t>Кафедра 24. "Компьютерный практикум по прикладной ядерной физике: Geant4"</a:t>
+            </a:r>
+            <a:endParaRPr lang="ru-RU"/>
+          </a:p>
+        </p:txBody>
+      </p:sp>
+      <p:sp>
+        <p:nvSpPr>
+          <p:cNvPr id="7" name="Номер слайда 6"/>
+          <p:cNvSpPr>
+            <a:spLocks noGrp="1"/>
+          </p:cNvSpPr>
+          <p:nvPr>
+            <p:ph type="sldNum" sz="quarter" idx="12"/>
+          </p:nvPr>
+        </p:nvSpPr>
+        <p:spPr/>
+        <p:txBody>
+          <a:bodyPr/>
+          <a:lstStyle/>
+          <a:p>
+            <a:fld id="{36F93F42-7F1C-429B-93C3-8A860B02B4B5}" type="slidenum">
+              <a:rPr lang="ru-RU" smtClean="0"/>
+              <a:t>9</a:t>
+            </a:fld>
+            <a:endParaRPr lang="ru-RU"/>
+          </a:p>
+        </p:txBody>
+      </p:sp>
       <p:pic>
         <p:nvPicPr>
           <p:cNvPr id="5" name="Рисунок 4"/>
@@ -11364,52 +11398,6 @@
           </a:p>
         </p:txBody>
       </p:sp>
-      <p:sp>
-        <p:nvSpPr>
-          <p:cNvPr id="4" name="Нижний колонтитул 3"/>
-          <p:cNvSpPr>
-            <a:spLocks noGrp="1"/>
-          </p:cNvSpPr>
-          <p:nvPr>
-            <p:ph type="ftr" sz="quarter" idx="11"/>
-          </p:nvPr>
-        </p:nvSpPr>
-        <p:spPr/>
-        <p:txBody>
-          <a:bodyPr/>
-          <a:lstStyle/>
-          <a:p>
-            <a:r>
-              <a:rPr lang="ru-RU" smtClean="0"/>
-              <a:t>Кафедра 24. "Компьютерный практикум по прикладной ядерной физике: Geant4"</a:t>
-            </a:r>
-            <a:endParaRPr lang="ru-RU"/>
-          </a:p>
-        </p:txBody>
-      </p:sp>
-      <p:sp>
-        <p:nvSpPr>
-          <p:cNvPr id="7" name="Номер слайда 6"/>
-          <p:cNvSpPr>
-            <a:spLocks noGrp="1"/>
-          </p:cNvSpPr>
-          <p:nvPr>
-            <p:ph type="sldNum" sz="quarter" idx="12"/>
-          </p:nvPr>
-        </p:nvSpPr>
-        <p:spPr/>
-        <p:txBody>
-          <a:bodyPr/>
-          <a:lstStyle/>
-          <a:p>
-            <a:fld id="{36F93F42-7F1C-429B-93C3-8A860B02B4B5}" type="slidenum">
-              <a:rPr lang="ru-RU" smtClean="0"/>
-              <a:t>9</a:t>
-            </a:fld>
-            <a:endParaRPr lang="ru-RU"/>
-          </a:p>
-        </p:txBody>
-      </p:sp>
     </p:spTree>
     <p:extLst>
       <p:ext uri="{BB962C8B-B14F-4D97-AF65-F5344CB8AC3E}">
@@ -11424,7 +11412,7 @@
 </file>
 
 <file path=ppt/theme/theme1.xml><?xml version="1.0" encoding="utf-8"?>
-<a:theme xmlns:a="http://schemas.openxmlformats.org/drawingml/2006/main" name="Тема2">
+<a:theme xmlns:a="http://schemas.openxmlformats.org/drawingml/2006/main" name="Тема1">
   <a:themeElements>
     <a:clrScheme name="Зеленый и желтый">
       <a:dk1>
@@ -11700,7 +11688,7 @@
   <a:extraClrSchemeLst/>
   <a:extLst>
     <a:ext uri="{05A4C25C-085E-4340-85A3-A5531E510DB2}">
-      <thm15:themeFamily xmlns:thm15="http://schemas.microsoft.com/office/thememl/2012/main" name="Тема2" id="{F6853AF9-8BEF-47B7-BFEA-1EB0A7F5E420}" vid="{7B47C7A1-DDBD-44DB-B5FC-9345D842DEB1}"/>
+      <thm15:themeFamily xmlns:thm15="http://schemas.microsoft.com/office/thememl/2012/main" name="Тема1" id="{5BB4979D-64F3-4350-A0FB-77B4AA112ABA}" vid="{9ECF0165-2A38-4AFC-8A84-C27FBD5E703B}"/>
     </a:ext>
   </a:extLst>
 </a:theme>
